--- a/1minPitch.pptx
+++ b/1minPitch.pptx
@@ -5122,14 +5122,27 @@
             </a:r>
             <a:r>
               <a:rPr lang="fr-FR" dirty="0" smtClean="0"/>
-              <a:t>/Audio</a:t>
-            </a:r>
-          </a:p>
-          <a:p>
+              <a:t>/</a:t>
+            </a:r>
             <a:r>
               <a:rPr lang="fr-FR" dirty="0" smtClean="0"/>
-              <a:t>Files sharing</a:t>
-            </a:r>
+              <a:t>Audio/Files </a:t>
+            </a:r>
+            <a:r>
+              <a:rPr lang="fr-FR" dirty="0"/>
+              <a:t>sharing</a:t>
+            </a:r>
+          </a:p>
+          <a:p>
+            <a:r>
+              <a:rPr lang="fr-FR" dirty="0" err="1" smtClean="0"/>
+              <a:t>Android</a:t>
+            </a:r>
+            <a:r>
+              <a:rPr lang="fr-FR" dirty="0" smtClean="0"/>
+              <a:t> Application</a:t>
+            </a:r>
+            <a:endParaRPr lang="fr-FR" dirty="0" smtClean="0"/>
           </a:p>
           <a:p>
             <a:r>

--- a/1minPitch.pptx
+++ b/1minPitch.pptx
@@ -5108,12 +5108,14 @@
         </p:nvSpPr>
         <p:spPr>
           <a:xfrm>
-            <a:off x="3443807" y="3326024"/>
-            <a:ext cx="5242993" cy="3267169"/>
+            <a:off x="774401" y="4832741"/>
+            <a:ext cx="3551570" cy="2023782"/>
           </a:xfrm>
         </p:spPr>
         <p:txBody>
-          <a:bodyPr/>
+          <a:bodyPr>
+            <a:normAutofit/>
+          </a:bodyPr>
           <a:lstStyle/>
           <a:p>
             <a:r>
@@ -5122,11 +5124,7 @@
             </a:r>
             <a:r>
               <a:rPr lang="fr-FR" dirty="0" smtClean="0"/>
-              <a:t>/</a:t>
-            </a:r>
-            <a:r>
-              <a:rPr lang="fr-FR" dirty="0" smtClean="0"/>
-              <a:t>Audio/Files </a:t>
+              <a:t>/Audio/Files </a:t>
             </a:r>
             <a:r>
               <a:rPr lang="fr-FR" dirty="0"/>
@@ -5140,81 +5138,13 @@
             </a:r>
             <a:r>
               <a:rPr lang="fr-FR" dirty="0" smtClean="0"/>
-              <a:t> Application</a:t>
+              <a:t> </a:t>
+            </a:r>
+            <a:r>
+              <a:rPr lang="fr-FR" dirty="0" smtClean="0"/>
+              <a:t>Application</a:t>
             </a:r>
             <a:endParaRPr lang="fr-FR" dirty="0" smtClean="0"/>
-          </a:p>
-          <a:p>
-            <a:r>
-              <a:rPr lang="fr-FR" dirty="0" err="1" smtClean="0"/>
-              <a:t>Maps</a:t>
-            </a:r>
-            <a:r>
-              <a:rPr lang="fr-FR" dirty="0" smtClean="0"/>
-              <a:t>/</a:t>
-            </a:r>
-            <a:r>
-              <a:rPr lang="fr-FR" dirty="0" err="1" smtClean="0"/>
-              <a:t>Calendar</a:t>
-            </a:r>
-            <a:r>
-              <a:rPr lang="fr-FR" dirty="0" smtClean="0"/>
-              <a:t>/</a:t>
-            </a:r>
-            <a:r>
-              <a:rPr lang="fr-FR" dirty="0" err="1" smtClean="0"/>
-              <a:t>forms</a:t>
-            </a:r>
-            <a:endParaRPr lang="fr-FR" dirty="0" smtClean="0"/>
-          </a:p>
-          <a:p>
-            <a:r>
-              <a:rPr lang="fr-FR" dirty="0" smtClean="0"/>
-              <a:t>Group memo for </a:t>
-            </a:r>
-            <a:r>
-              <a:rPr lang="fr-FR" dirty="0" err="1" smtClean="0"/>
-              <a:t>everyone</a:t>
-            </a:r>
-            <a:r>
-              <a:rPr lang="fr-FR" dirty="0" smtClean="0"/>
-              <a:t> </a:t>
-            </a:r>
-            <a:r>
-              <a:rPr lang="fr-FR" dirty="0" err="1" smtClean="0"/>
-              <a:t>editable</a:t>
-            </a:r>
-            <a:r>
-              <a:rPr lang="fr-FR" dirty="0" smtClean="0"/>
-              <a:t> </a:t>
-            </a:r>
-            <a:r>
-              <a:rPr lang="fr-FR" dirty="0" err="1" smtClean="0"/>
-              <a:t>at</a:t>
-            </a:r>
-            <a:r>
-              <a:rPr lang="fr-FR" dirty="0" smtClean="0"/>
-              <a:t> the </a:t>
-            </a:r>
-            <a:r>
-              <a:rPr lang="fr-FR" dirty="0" err="1" smtClean="0"/>
-              <a:t>same</a:t>
-            </a:r>
-            <a:r>
-              <a:rPr lang="fr-FR" dirty="0" smtClean="0"/>
-              <a:t> time</a:t>
-            </a:r>
-          </a:p>
-          <a:p>
-            <a:r>
-              <a:rPr lang="fr-FR" dirty="0" err="1" smtClean="0"/>
-              <a:t>Summary</a:t>
-            </a:r>
-            <a:r>
-              <a:rPr lang="fr-FR" dirty="0" smtClean="0"/>
-              <a:t> of Conversation</a:t>
-            </a:r>
-            <a:endParaRPr lang="fr-FR" dirty="0"/>
           </a:p>
         </p:txBody>
       </p:sp>
@@ -5226,8 +5156,8 @@
         </p:nvSpPr>
         <p:spPr>
           <a:xfrm>
-            <a:off x="1719219" y="1255791"/>
-            <a:ext cx="5637800" cy="523220"/>
+            <a:off x="1719219" y="1116381"/>
+            <a:ext cx="5637800" cy="954107"/>
           </a:xfrm>
           <a:prstGeom prst="rect">
             <a:avLst/>
@@ -5247,7 +5177,39 @@
                   <a:srgbClr val="FFFFFF"/>
                 </a:solidFill>
               </a:rPr>
-              <a:t>I</a:t>
+              <a:t>Audio/</a:t>
+            </a:r>
+            <a:r>
+              <a:rPr lang="fr-FR" sz="2800" dirty="0" err="1" smtClean="0">
+                <a:solidFill>
+                  <a:srgbClr val="FFFFFF"/>
+                </a:solidFill>
+              </a:rPr>
+              <a:t>Video</a:t>
+            </a:r>
+            <a:r>
+              <a:rPr lang="fr-FR" sz="2800" dirty="0" smtClean="0">
+                <a:solidFill>
+                  <a:srgbClr val="FFFFFF"/>
+                </a:solidFill>
+              </a:rPr>
+              <a:t>/</a:t>
+            </a:r>
+            <a:r>
+              <a:rPr lang="fr-FR" sz="2800" dirty="0" err="1" smtClean="0">
+                <a:solidFill>
+                  <a:srgbClr val="FFFFFF"/>
+                </a:solidFill>
+              </a:rPr>
+              <a:t>Text</a:t>
+            </a:r>
+            <a:r>
+              <a:rPr lang="fr-FR" sz="2800" dirty="0" smtClean="0">
+                <a:solidFill>
+                  <a:srgbClr val="FFFFFF"/>
+                </a:solidFill>
+              </a:rPr>
+              <a:t> I</a:t>
             </a:r>
             <a:r>
               <a:rPr lang="fr-FR" sz="2800" dirty="0" smtClean="0">
@@ -5255,7 +5217,15 @@
                   <a:schemeClr val="bg1"/>
                 </a:solidFill>
               </a:rPr>
-              <a:t>nstant Messaging Web Application </a:t>
+              <a:t>nstant </a:t>
+            </a:r>
+            <a:r>
+              <a:rPr lang="fr-FR" sz="2800" dirty="0" smtClean="0">
+                <a:solidFill>
+                  <a:schemeClr val="bg1"/>
+                </a:solidFill>
+              </a:rPr>
+              <a:t>Messaging Web Application </a:t>
             </a:r>
             <a:endParaRPr lang="fr-FR" sz="2800" dirty="0">
               <a:solidFill>
@@ -5265,36 +5235,6 @@
           </a:p>
         </p:txBody>
       </p:sp>
-      <p:pic>
-        <p:nvPicPr>
-          <p:cNvPr id="6" name="Image 5" descr="Pigeon3.jpg"/>
-          <p:cNvPicPr>
-            <a:picLocks noChangeAspect="1"/>
-          </p:cNvPicPr>
-          <p:nvPr/>
-        </p:nvPicPr>
-        <p:blipFill>
-          <a:blip r:embed="rId2" cstate="print">
-            <a:extLst>
-              <a:ext uri="{28A0092B-C50C-407E-A947-70E740481C1C}">
-                <a14:useLocalDpi xmlns:a14="http://schemas.microsoft.com/office/drawing/2010/main" val="0"/>
-              </a:ext>
-            </a:extLst>
-          </a:blip>
-          <a:stretch>
-            <a:fillRect/>
-          </a:stretch>
-        </p:blipFill>
-        <p:spPr>
-          <a:xfrm>
-            <a:off x="0" y="2644478"/>
-            <a:ext cx="3159646" cy="4213521"/>
-          </a:xfrm>
-          <a:prstGeom prst="rect">
-            <a:avLst/>
-          </a:prstGeom>
-        </p:spPr>
-      </p:pic>
       <p:sp>
         <p:nvSpPr>
           <p:cNvPr id="7" name="ZoneTexte 6"/>
@@ -5303,8 +5243,8 @@
         </p:nvSpPr>
         <p:spPr>
           <a:xfrm>
-            <a:off x="3443807" y="2609271"/>
-            <a:ext cx="4579216" cy="633097"/>
+            <a:off x="2839101" y="2900641"/>
+            <a:ext cx="3433720" cy="523220"/>
           </a:xfrm>
           <a:prstGeom prst="rect">
             <a:avLst/>
@@ -5317,19 +5257,882 @@
           </a:bodyPr>
           <a:lstStyle/>
           <a:p>
-            <a:pPr marL="457200" indent="-457200">
-              <a:buFont typeface="Wingdings" charset="2"/>
-              <a:buChar char="ü"/>
-            </a:pPr>
             <a:r>
               <a:rPr lang="fr-FR" sz="2800" dirty="0" err="1" smtClean="0"/>
-              <a:t>Private</a:t>
+              <a:t>Avoid</a:t>
             </a:r>
             <a:r>
               <a:rPr lang="fr-FR" sz="2800" dirty="0" smtClean="0"/>
-              <a:t> communication</a:t>
-            </a:r>
-            <a:endParaRPr lang="fr-FR" sz="2800" dirty="0"/>
+              <a:t> data collection</a:t>
+            </a:r>
+          </a:p>
+        </p:txBody>
+      </p:sp>
+      <p:grpSp>
+        <p:nvGrpSpPr>
+          <p:cNvPr id="9" name="그룹 58"/>
+          <p:cNvGrpSpPr/>
+          <p:nvPr/>
+        </p:nvGrpSpPr>
+        <p:grpSpPr>
+          <a:xfrm>
+            <a:off x="-3463" y="2174774"/>
+            <a:ext cx="3369177" cy="2363668"/>
+            <a:chOff x="917955" y="3771900"/>
+            <a:chExt cx="3062888" cy="2531059"/>
+          </a:xfrm>
+        </p:grpSpPr>
+        <p:sp>
+          <p:nvSpPr>
+            <p:cNvPr id="10" name="구름 13"/>
+            <p:cNvSpPr/>
+            <p:nvPr/>
+          </p:nvSpPr>
+          <p:spPr>
+            <a:xfrm>
+              <a:off x="1548398" y="3771900"/>
+              <a:ext cx="1587500" cy="914400"/>
+            </a:xfrm>
+            <a:prstGeom prst="cloud">
+              <a:avLst/>
+            </a:prstGeom>
+          </p:spPr>
+          <p:style>
+            <a:lnRef idx="2">
+              <a:schemeClr val="accent1">
+                <a:shade val="50000"/>
+              </a:schemeClr>
+            </a:lnRef>
+            <a:fillRef idx="1">
+              <a:schemeClr val="accent1"/>
+            </a:fillRef>
+            <a:effectRef idx="0">
+              <a:schemeClr val="accent1"/>
+            </a:effectRef>
+            <a:fontRef idx="minor">
+              <a:schemeClr val="lt1"/>
+            </a:fontRef>
+          </p:style>
+          <p:txBody>
+            <a:bodyPr rtlCol="0" anchor="ctr"/>
+            <a:lstStyle/>
+            <a:p>
+              <a:pPr algn="ctr"/>
+              <a:r>
+                <a:rPr lang="en-US" altLang="ko-KR" sz="2400" dirty="0" smtClean="0"/>
+                <a:t>Server</a:t>
+              </a:r>
+              <a:endParaRPr lang="ko-KR" altLang="en-US" sz="2400" dirty="0"/>
+            </a:p>
+          </p:txBody>
+        </p:sp>
+        <p:graphicFrame>
+          <p:nvGraphicFramePr>
+            <p:cNvPr id="17" name="개체 9"/>
+            <p:cNvGraphicFramePr>
+              <a:graphicFrameLocks noChangeAspect="1"/>
+            </p:cNvGraphicFramePr>
+            <p:nvPr>
+              <p:extLst>
+                <p:ext uri="{D42A27DB-BD31-4B8C-83A1-F6EECF244321}">
+                  <p14:modId xmlns:p14="http://schemas.microsoft.com/office/powerpoint/2010/main" val="2163013528"/>
+                </p:ext>
+              </p:extLst>
+            </p:nvPr>
+          </p:nvGraphicFramePr>
+          <p:xfrm>
+            <a:off x="917955" y="5083409"/>
+            <a:ext cx="1219200" cy="1219200"/>
+          </p:xfrm>
+          <a:graphic>
+            <a:graphicData uri="http://schemas.openxmlformats.org/presentationml/2006/ole">
+              <mc:AlternateContent xmlns:mc="http://schemas.openxmlformats.org/markup-compatibility/2006">
+                <mc:Choice xmlns:v="urn:schemas-microsoft-com:vml" Requires="v">
+                  <p:oleObj spid="_x0000_s1035" r:id="rId3" imgW="1218960" imgH="1218960" progId="">
+                    <p:embed/>
+                  </p:oleObj>
+                </mc:Choice>
+                <mc:Fallback>
+                  <p:oleObj r:id="rId3" imgW="1218960" imgH="1218960" progId="">
+                    <p:embed/>
+                    <p:pic>
+                      <p:nvPicPr>
+                        <p:cNvPr id="0" name=""/>
+                        <p:cNvPicPr/>
+                        <p:nvPr/>
+                      </p:nvPicPr>
+                      <p:blipFill>
+                        <a:blip r:embed="rId4"/>
+                        <a:stretch>
+                          <a:fillRect/>
+                        </a:stretch>
+                      </p:blipFill>
+                      <p:spPr>
+                        <a:xfrm>
+                          <a:off x="917955" y="5083409"/>
+                          <a:ext cx="1219200" cy="1219200"/>
+                        </a:xfrm>
+                        <a:prstGeom prst="rect">
+                          <a:avLst/>
+                        </a:prstGeom>
+                      </p:spPr>
+                    </p:pic>
+                  </p:oleObj>
+                </mc:Fallback>
+              </mc:AlternateContent>
+            </a:graphicData>
+          </a:graphic>
+        </p:graphicFrame>
+        <p:graphicFrame>
+          <p:nvGraphicFramePr>
+            <p:cNvPr id="15" name="개체 42"/>
+            <p:cNvGraphicFramePr>
+              <a:graphicFrameLocks noChangeAspect="1"/>
+            </p:cNvGraphicFramePr>
+            <p:nvPr>
+              <p:extLst>
+                <p:ext uri="{D42A27DB-BD31-4B8C-83A1-F6EECF244321}">
+                  <p14:modId xmlns:p14="http://schemas.microsoft.com/office/powerpoint/2010/main" val="2134489572"/>
+                </p:ext>
+              </p:extLst>
+            </p:nvPr>
+          </p:nvGraphicFramePr>
+          <p:xfrm>
+            <a:off x="2761643" y="5083759"/>
+            <a:ext cx="1219200" cy="1219200"/>
+          </p:xfrm>
+          <a:graphic>
+            <a:graphicData uri="http://schemas.openxmlformats.org/presentationml/2006/ole">
+              <mc:AlternateContent xmlns:mc="http://schemas.openxmlformats.org/markup-compatibility/2006">
+                <mc:Choice xmlns:v="urn:schemas-microsoft-com:vml" Requires="v">
+                  <p:oleObj spid="_x0000_s1036" r:id="rId5" imgW="1218960" imgH="1218960" progId="">
+                    <p:embed/>
+                  </p:oleObj>
+                </mc:Choice>
+                <mc:Fallback>
+                  <p:oleObj r:id="rId5" imgW="1218960" imgH="1218960" progId="">
+                    <p:embed/>
+                    <p:pic>
+                      <p:nvPicPr>
+                        <p:cNvPr id="0" name=""/>
+                        <p:cNvPicPr/>
+                        <p:nvPr/>
+                      </p:nvPicPr>
+                      <p:blipFill>
+                        <a:blip r:embed="rId4"/>
+                        <a:stretch>
+                          <a:fillRect/>
+                        </a:stretch>
+                      </p:blipFill>
+                      <p:spPr>
+                        <a:xfrm>
+                          <a:off x="2761643" y="5083759"/>
+                          <a:ext cx="1219200" cy="1219200"/>
+                        </a:xfrm>
+                        <a:prstGeom prst="rect">
+                          <a:avLst/>
+                        </a:prstGeom>
+                      </p:spPr>
+                    </p:pic>
+                  </p:oleObj>
+                </mc:Fallback>
+              </mc:AlternateContent>
+            </a:graphicData>
+          </a:graphic>
+        </p:graphicFrame>
+        <p:cxnSp>
+          <p:nvCxnSpPr>
+            <p:cNvPr id="13" name="직선 화살표 연결선 54"/>
+            <p:cNvCxnSpPr/>
+            <p:nvPr/>
+          </p:nvCxnSpPr>
+          <p:spPr>
+            <a:xfrm flipH="1" flipV="1">
+              <a:off x="2782286" y="4732825"/>
+              <a:ext cx="338121" cy="468000"/>
+            </a:xfrm>
+            <a:prstGeom prst="straightConnector1">
+              <a:avLst/>
+            </a:prstGeom>
+            <a:ln>
+              <a:headEnd type="triangle"/>
+              <a:tailEnd type="triangle"/>
+            </a:ln>
+          </p:spPr>
+          <p:style>
+            <a:lnRef idx="3">
+              <a:schemeClr val="accent3"/>
+            </a:lnRef>
+            <a:fillRef idx="0">
+              <a:schemeClr val="accent3"/>
+            </a:fillRef>
+            <a:effectRef idx="2">
+              <a:schemeClr val="accent3"/>
+            </a:effectRef>
+            <a:fontRef idx="minor">
+              <a:schemeClr val="tx1"/>
+            </a:fontRef>
+          </p:style>
+        </p:cxnSp>
+        <p:cxnSp>
+          <p:nvCxnSpPr>
+            <p:cNvPr id="14" name="직선 화살표 연결선 55"/>
+            <p:cNvCxnSpPr/>
+            <p:nvPr/>
+          </p:nvCxnSpPr>
+          <p:spPr>
+            <a:xfrm flipV="1">
+              <a:off x="1536065" y="4738825"/>
+              <a:ext cx="414354" cy="468000"/>
+            </a:xfrm>
+            <a:prstGeom prst="straightConnector1">
+              <a:avLst/>
+            </a:prstGeom>
+            <a:ln>
+              <a:headEnd type="triangle"/>
+              <a:tailEnd type="triangle"/>
+            </a:ln>
+          </p:spPr>
+          <p:style>
+            <a:lnRef idx="3">
+              <a:schemeClr val="accent3"/>
+            </a:lnRef>
+            <a:fillRef idx="0">
+              <a:schemeClr val="accent3"/>
+            </a:fillRef>
+            <a:effectRef idx="2">
+              <a:schemeClr val="accent3"/>
+            </a:effectRef>
+            <a:fontRef idx="minor">
+              <a:schemeClr val="tx1"/>
+            </a:fontRef>
+          </p:style>
+        </p:cxnSp>
+      </p:grpSp>
+      <p:grpSp>
+        <p:nvGrpSpPr>
+          <p:cNvPr id="19" name="그룹 59"/>
+          <p:cNvGrpSpPr/>
+          <p:nvPr/>
+        </p:nvGrpSpPr>
+        <p:grpSpPr>
+          <a:xfrm>
+            <a:off x="6266087" y="2106503"/>
+            <a:ext cx="2776007" cy="2438355"/>
+            <a:chOff x="4925044" y="3318005"/>
+            <a:chExt cx="3575986" cy="3040982"/>
+          </a:xfrm>
+        </p:grpSpPr>
+        <p:cxnSp>
+          <p:nvCxnSpPr>
+            <p:cNvPr id="20" name="직선 화살표 연결선 26"/>
+            <p:cNvCxnSpPr/>
+            <p:nvPr/>
+          </p:nvCxnSpPr>
+          <p:spPr>
+            <a:xfrm flipH="1" flipV="1">
+              <a:off x="6126030" y="5200825"/>
+              <a:ext cx="1090920" cy="612045"/>
+            </a:xfrm>
+            <a:prstGeom prst="straightConnector1">
+              <a:avLst/>
+            </a:prstGeom>
+            <a:ln>
+              <a:headEnd type="triangle"/>
+              <a:tailEnd type="triangle"/>
+            </a:ln>
+          </p:spPr>
+          <p:style>
+            <a:lnRef idx="3">
+              <a:schemeClr val="accent3"/>
+            </a:lnRef>
+            <a:fillRef idx="0">
+              <a:schemeClr val="accent3"/>
+            </a:fillRef>
+            <a:effectRef idx="2">
+              <a:schemeClr val="accent3"/>
+            </a:effectRef>
+            <a:fontRef idx="minor">
+              <a:schemeClr val="tx1"/>
+            </a:fontRef>
+          </p:style>
+        </p:cxnSp>
+        <p:graphicFrame>
+          <p:nvGraphicFramePr>
+            <p:cNvPr id="30" name="개체 45"/>
+            <p:cNvGraphicFramePr>
+              <a:graphicFrameLocks noChangeAspect="1"/>
+            </p:cNvGraphicFramePr>
+            <p:nvPr>
+              <p:extLst>
+                <p:ext uri="{D42A27DB-BD31-4B8C-83A1-F6EECF244321}">
+                  <p14:modId xmlns:p14="http://schemas.microsoft.com/office/powerpoint/2010/main" val="1762260004"/>
+                </p:ext>
+              </p:extLst>
+            </p:nvPr>
+          </p:nvGraphicFramePr>
+          <p:xfrm>
+            <a:off x="4925044" y="4259614"/>
+            <a:ext cx="1219200" cy="1219201"/>
+          </p:xfrm>
+          <a:graphic>
+            <a:graphicData uri="http://schemas.openxmlformats.org/presentationml/2006/ole">
+              <mc:AlternateContent xmlns:mc="http://schemas.openxmlformats.org/markup-compatibility/2006">
+                <mc:Choice xmlns:v="urn:schemas-microsoft-com:vml" Requires="v">
+                  <p:oleObj spid="_x0000_s1037" r:id="rId6" imgW="1218960" imgH="1218960" progId="">
+                    <p:embed/>
+                  </p:oleObj>
+                </mc:Choice>
+                <mc:Fallback>
+                  <p:oleObj r:id="rId6" imgW="1218960" imgH="1218960" progId="">
+                    <p:embed/>
+                    <p:pic>
+                      <p:nvPicPr>
+                        <p:cNvPr id="0" name=""/>
+                        <p:cNvPicPr/>
+                        <p:nvPr/>
+                      </p:nvPicPr>
+                      <p:blipFill>
+                        <a:blip r:embed="rId4"/>
+                        <a:stretch>
+                          <a:fillRect/>
+                        </a:stretch>
+                      </p:blipFill>
+                      <p:spPr>
+                        <a:xfrm>
+                          <a:off x="4925044" y="4259614"/>
+                          <a:ext cx="1219200" cy="1219201"/>
+                        </a:xfrm>
+                        <a:prstGeom prst="rect">
+                          <a:avLst/>
+                        </a:prstGeom>
+                      </p:spPr>
+                    </p:pic>
+                  </p:oleObj>
+                </mc:Fallback>
+              </mc:AlternateContent>
+            </a:graphicData>
+          </a:graphic>
+        </p:graphicFrame>
+        <p:graphicFrame>
+          <p:nvGraphicFramePr>
+            <p:cNvPr id="28" name="개체 48"/>
+            <p:cNvGraphicFramePr>
+              <a:graphicFrameLocks noChangeAspect="1"/>
+            </p:cNvGraphicFramePr>
+            <p:nvPr>
+              <p:extLst>
+                <p:ext uri="{D42A27DB-BD31-4B8C-83A1-F6EECF244321}">
+                  <p14:modId xmlns:p14="http://schemas.microsoft.com/office/powerpoint/2010/main" val="1749383910"/>
+                </p:ext>
+              </p:extLst>
+            </p:nvPr>
+          </p:nvGraphicFramePr>
+          <p:xfrm>
+            <a:off x="7281830" y="5139786"/>
+            <a:ext cx="1219200" cy="1219201"/>
+          </p:xfrm>
+          <a:graphic>
+            <a:graphicData uri="http://schemas.openxmlformats.org/presentationml/2006/ole">
+              <mc:AlternateContent xmlns:mc="http://schemas.openxmlformats.org/markup-compatibility/2006">
+                <mc:Choice xmlns:v="urn:schemas-microsoft-com:vml" Requires="v">
+                  <p:oleObj spid="_x0000_s1038" r:id="rId7" imgW="1218960" imgH="1218960" progId="">
+                    <p:embed/>
+                  </p:oleObj>
+                </mc:Choice>
+                <mc:Fallback>
+                  <p:oleObj r:id="rId7" imgW="1218960" imgH="1218960" progId="">
+                    <p:embed/>
+                    <p:pic>
+                      <p:nvPicPr>
+                        <p:cNvPr id="0" name=""/>
+                        <p:cNvPicPr/>
+                        <p:nvPr/>
+                      </p:nvPicPr>
+                      <p:blipFill>
+                        <a:blip r:embed="rId4"/>
+                        <a:stretch>
+                          <a:fillRect/>
+                        </a:stretch>
+                      </p:blipFill>
+                      <p:spPr>
+                        <a:xfrm>
+                          <a:off x="7281830" y="5139786"/>
+                          <a:ext cx="1219200" cy="1219201"/>
+                        </a:xfrm>
+                        <a:prstGeom prst="rect">
+                          <a:avLst/>
+                        </a:prstGeom>
+                      </p:spPr>
+                    </p:pic>
+                  </p:oleObj>
+                </mc:Fallback>
+              </mc:AlternateContent>
+            </a:graphicData>
+          </a:graphic>
+        </p:graphicFrame>
+        <p:graphicFrame>
+          <p:nvGraphicFramePr>
+            <p:cNvPr id="26" name="개체 51"/>
+            <p:cNvGraphicFramePr>
+              <a:graphicFrameLocks noChangeAspect="1"/>
+            </p:cNvGraphicFramePr>
+            <p:nvPr>
+              <p:extLst>
+                <p:ext uri="{D42A27DB-BD31-4B8C-83A1-F6EECF244321}">
+                  <p14:modId xmlns:p14="http://schemas.microsoft.com/office/powerpoint/2010/main" val="2531132507"/>
+                </p:ext>
+              </p:extLst>
+            </p:nvPr>
+          </p:nvGraphicFramePr>
+          <p:xfrm>
+            <a:off x="6995619" y="3318005"/>
+            <a:ext cx="1219200" cy="1219201"/>
+          </p:xfrm>
+          <a:graphic>
+            <a:graphicData uri="http://schemas.openxmlformats.org/presentationml/2006/ole">
+              <mc:AlternateContent xmlns:mc="http://schemas.openxmlformats.org/markup-compatibility/2006">
+                <mc:Choice xmlns:v="urn:schemas-microsoft-com:vml" Requires="v">
+                  <p:oleObj spid="_x0000_s1039" r:id="rId8" imgW="1218960" imgH="1218960" progId="">
+                    <p:embed/>
+                  </p:oleObj>
+                </mc:Choice>
+                <mc:Fallback>
+                  <p:oleObj r:id="rId8" imgW="1218960" imgH="1218960" progId="">
+                    <p:embed/>
+                    <p:pic>
+                      <p:nvPicPr>
+                        <p:cNvPr id="0" name=""/>
+                        <p:cNvPicPr/>
+                        <p:nvPr/>
+                      </p:nvPicPr>
+                      <p:blipFill>
+                        <a:blip r:embed="rId4"/>
+                        <a:stretch>
+                          <a:fillRect/>
+                        </a:stretch>
+                      </p:blipFill>
+                      <p:spPr>
+                        <a:xfrm>
+                          <a:off x="6995619" y="3318005"/>
+                          <a:ext cx="1219200" cy="1219201"/>
+                        </a:xfrm>
+                        <a:prstGeom prst="rect">
+                          <a:avLst/>
+                        </a:prstGeom>
+                      </p:spPr>
+                    </p:pic>
+                  </p:oleObj>
+                </mc:Fallback>
+              </mc:AlternateContent>
+            </a:graphicData>
+          </a:graphic>
+        </p:graphicFrame>
+        <p:cxnSp>
+          <p:nvCxnSpPr>
+            <p:cNvPr id="24" name="직선 화살표 연결선 53"/>
+            <p:cNvCxnSpPr/>
+            <p:nvPr/>
+          </p:nvCxnSpPr>
+          <p:spPr>
+            <a:xfrm flipH="1" flipV="1">
+              <a:off x="7632700" y="4565438"/>
+              <a:ext cx="25400" cy="806662"/>
+            </a:xfrm>
+            <a:prstGeom prst="straightConnector1">
+              <a:avLst/>
+            </a:prstGeom>
+            <a:ln>
+              <a:headEnd type="triangle"/>
+              <a:tailEnd type="triangle"/>
+            </a:ln>
+          </p:spPr>
+          <p:style>
+            <a:lnRef idx="3">
+              <a:schemeClr val="accent3"/>
+            </a:lnRef>
+            <a:fillRef idx="0">
+              <a:schemeClr val="accent3"/>
+            </a:fillRef>
+            <a:effectRef idx="2">
+              <a:schemeClr val="accent3"/>
+            </a:effectRef>
+            <a:fontRef idx="minor">
+              <a:schemeClr val="tx1"/>
+            </a:fontRef>
+          </p:style>
+        </p:cxnSp>
+        <p:cxnSp>
+          <p:nvCxnSpPr>
+            <p:cNvPr id="25" name="직선 화살표 연결선 56"/>
+            <p:cNvCxnSpPr/>
+            <p:nvPr/>
+          </p:nvCxnSpPr>
+          <p:spPr>
+            <a:xfrm flipH="1">
+              <a:off x="6128753" y="4229100"/>
+              <a:ext cx="959183" cy="672675"/>
+            </a:xfrm>
+            <a:prstGeom prst="straightConnector1">
+              <a:avLst/>
+            </a:prstGeom>
+            <a:ln>
+              <a:headEnd type="triangle"/>
+              <a:tailEnd type="triangle"/>
+            </a:ln>
+          </p:spPr>
+          <p:style>
+            <a:lnRef idx="3">
+              <a:schemeClr val="accent3"/>
+            </a:lnRef>
+            <a:fillRef idx="0">
+              <a:schemeClr val="accent3"/>
+            </a:fillRef>
+            <a:effectRef idx="2">
+              <a:schemeClr val="accent3"/>
+            </a:effectRef>
+            <a:fontRef idx="minor">
+              <a:schemeClr val="tx1"/>
+            </a:fontRef>
+          </p:style>
+        </p:cxnSp>
+      </p:grpSp>
+      <p:sp>
+        <p:nvSpPr>
+          <p:cNvPr id="34" name="Espace réservé du contenu 2"/>
+          <p:cNvSpPr txBox="1">
+            <a:spLocks/>
+          </p:cNvSpPr>
+          <p:nvPr/>
+        </p:nvSpPr>
+        <p:spPr>
+          <a:xfrm>
+            <a:off x="4481569" y="4801445"/>
+            <a:ext cx="4338342" cy="2195275"/>
+          </a:xfrm>
+          <a:prstGeom prst="rect">
+            <a:avLst/>
+          </a:prstGeom>
+        </p:spPr>
+        <p:txBody>
+          <a:bodyPr vert="horz" lIns="91440" tIns="45720" rIns="91440" bIns="45720" rtlCol="0">
+            <a:normAutofit/>
+          </a:bodyPr>
+          <a:lstStyle>
+            <a:lvl1pPr marL="342900" indent="-342900" algn="l" defTabSz="914400" rtl="0" eaLnBrk="1" latinLnBrk="0" hangingPunct="1">
+              <a:spcBef>
+                <a:spcPts val="2000"/>
+              </a:spcBef>
+              <a:buClr>
+                <a:schemeClr val="accent1"/>
+              </a:buClr>
+              <a:buSzPct val="90000"/>
+              <a:buFont typeface="Wingdings" pitchFamily="2" charset="2"/>
+              <a:buChar char="S"/>
+              <a:defRPr sz="2200" kern="1200">
+                <a:solidFill>
+                  <a:schemeClr val="tx1">
+                    <a:lumMod val="65000"/>
+                    <a:lumOff val="35000"/>
+                  </a:schemeClr>
+                </a:solidFill>
+                <a:latin typeface="+mn-lt"/>
+                <a:ea typeface="+mn-ea"/>
+                <a:cs typeface="+mn-cs"/>
+              </a:defRPr>
+            </a:lvl1pPr>
+            <a:lvl2pPr marL="685800" indent="-336550" algn="l" defTabSz="914400" rtl="0" eaLnBrk="1" latinLnBrk="0" hangingPunct="1">
+              <a:spcBef>
+                <a:spcPts val="600"/>
+              </a:spcBef>
+              <a:buClr>
+                <a:schemeClr val="accent1">
+                  <a:lumMod val="60000"/>
+                  <a:lumOff val="40000"/>
+                </a:schemeClr>
+              </a:buClr>
+              <a:buSzPct val="90000"/>
+              <a:buFont typeface="Wingdings" pitchFamily="2" charset="2"/>
+              <a:buChar char="S"/>
+              <a:defRPr sz="2000" kern="1200">
+                <a:solidFill>
+                  <a:schemeClr val="tx1">
+                    <a:lumMod val="65000"/>
+                    <a:lumOff val="35000"/>
+                  </a:schemeClr>
+                </a:solidFill>
+                <a:latin typeface="+mn-lt"/>
+                <a:ea typeface="+mn-ea"/>
+                <a:cs typeface="+mn-cs"/>
+              </a:defRPr>
+            </a:lvl2pPr>
+            <a:lvl3pPr marL="1035050" indent="-349250" algn="l" defTabSz="914400" rtl="0" eaLnBrk="1" latinLnBrk="0" hangingPunct="1">
+              <a:spcBef>
+                <a:spcPts val="600"/>
+              </a:spcBef>
+              <a:buClr>
+                <a:schemeClr val="accent1"/>
+              </a:buClr>
+              <a:buSzPct val="90000"/>
+              <a:buFont typeface="Wingdings" pitchFamily="2" charset="2"/>
+              <a:buChar char="S"/>
+              <a:defRPr sz="1800" kern="1200">
+                <a:solidFill>
+                  <a:schemeClr val="tx1">
+                    <a:lumMod val="65000"/>
+                    <a:lumOff val="35000"/>
+                  </a:schemeClr>
+                </a:solidFill>
+                <a:latin typeface="+mn-lt"/>
+                <a:ea typeface="+mn-ea"/>
+                <a:cs typeface="+mn-cs"/>
+              </a:defRPr>
+            </a:lvl3pPr>
+            <a:lvl4pPr marL="1371600" indent="-336550" algn="l" defTabSz="914400" rtl="0" eaLnBrk="1" latinLnBrk="0" hangingPunct="1">
+              <a:spcBef>
+                <a:spcPts val="600"/>
+              </a:spcBef>
+              <a:buClr>
+                <a:schemeClr val="accent1">
+                  <a:lumMod val="60000"/>
+                  <a:lumOff val="40000"/>
+                </a:schemeClr>
+              </a:buClr>
+              <a:buSzPct val="90000"/>
+              <a:buFont typeface="Wingdings" pitchFamily="2" charset="2"/>
+              <a:buChar char="S"/>
+              <a:defRPr sz="1800" kern="1200">
+                <a:solidFill>
+                  <a:schemeClr val="tx1">
+                    <a:lumMod val="65000"/>
+                    <a:lumOff val="35000"/>
+                  </a:schemeClr>
+                </a:solidFill>
+                <a:latin typeface="+mn-lt"/>
+                <a:ea typeface="+mn-ea"/>
+                <a:cs typeface="+mn-cs"/>
+              </a:defRPr>
+            </a:lvl4pPr>
+            <a:lvl5pPr marL="1720850" indent="-349250" algn="l" defTabSz="914400" rtl="0" eaLnBrk="1" latinLnBrk="0" hangingPunct="1">
+              <a:spcBef>
+                <a:spcPts val="600"/>
+              </a:spcBef>
+              <a:buClr>
+                <a:schemeClr val="accent1"/>
+              </a:buClr>
+              <a:buSzPct val="90000"/>
+              <a:buFont typeface="Wingdings" pitchFamily="2" charset="2"/>
+              <a:buChar char="S"/>
+              <a:defRPr sz="1800" kern="1200">
+                <a:solidFill>
+                  <a:schemeClr val="tx1">
+                    <a:lumMod val="65000"/>
+                    <a:lumOff val="35000"/>
+                  </a:schemeClr>
+                </a:solidFill>
+                <a:latin typeface="+mn-lt"/>
+                <a:ea typeface="+mn-ea"/>
+                <a:cs typeface="+mn-cs"/>
+              </a:defRPr>
+            </a:lvl5pPr>
+            <a:lvl6pPr marL="2055813" indent="-344488" algn="l" defTabSz="914400" rtl="0" eaLnBrk="1" latinLnBrk="0" hangingPunct="1">
+              <a:spcBef>
+                <a:spcPct val="20000"/>
+              </a:spcBef>
+              <a:buClr>
+                <a:schemeClr val="accent1">
+                  <a:lumMod val="60000"/>
+                  <a:lumOff val="40000"/>
+                </a:schemeClr>
+              </a:buClr>
+              <a:buSzPct val="90000"/>
+              <a:buFont typeface="Wingdings" pitchFamily="2" charset="2"/>
+              <a:buChar char=""/>
+              <a:defRPr lang="en-US" sz="1800" kern="1200" dirty="0" smtClean="0">
+                <a:solidFill>
+                  <a:schemeClr val="tx1">
+                    <a:lumMod val="65000"/>
+                    <a:lumOff val="35000"/>
+                  </a:schemeClr>
+                </a:solidFill>
+                <a:latin typeface="+mn-lt"/>
+                <a:ea typeface="+mn-ea"/>
+                <a:cs typeface="+mn-cs"/>
+              </a:defRPr>
+            </a:lvl6pPr>
+            <a:lvl7pPr marL="2398713" indent="-344488" algn="l" defTabSz="914400" rtl="0" eaLnBrk="1" latinLnBrk="0" hangingPunct="1">
+              <a:spcBef>
+                <a:spcPct val="20000"/>
+              </a:spcBef>
+              <a:buClr>
+                <a:schemeClr val="accent1"/>
+              </a:buClr>
+              <a:buSzPct val="90000"/>
+              <a:buFont typeface="Wingdings" pitchFamily="2" charset="2"/>
+              <a:buChar char=""/>
+              <a:defRPr lang="en-US" sz="1800" kern="1200" dirty="0" smtClean="0">
+                <a:solidFill>
+                  <a:schemeClr val="tx1">
+                    <a:lumMod val="65000"/>
+                    <a:lumOff val="35000"/>
+                  </a:schemeClr>
+                </a:solidFill>
+                <a:latin typeface="+mn-lt"/>
+                <a:ea typeface="+mn-ea"/>
+                <a:cs typeface="+mn-cs"/>
+              </a:defRPr>
+            </a:lvl7pPr>
+            <a:lvl8pPr marL="2743200" indent="-344488" algn="l" defTabSz="914400" rtl="0" eaLnBrk="1" latinLnBrk="0" hangingPunct="1">
+              <a:spcBef>
+                <a:spcPct val="20000"/>
+              </a:spcBef>
+              <a:buClr>
+                <a:schemeClr val="accent1">
+                  <a:lumMod val="60000"/>
+                  <a:lumOff val="40000"/>
+                </a:schemeClr>
+              </a:buClr>
+              <a:buSzPct val="90000"/>
+              <a:buFont typeface="Wingdings" pitchFamily="2" charset="2"/>
+              <a:buChar char=""/>
+              <a:defRPr lang="en-US" sz="1800" kern="1200" dirty="0" smtClean="0">
+                <a:solidFill>
+                  <a:schemeClr val="tx1">
+                    <a:lumMod val="65000"/>
+                    <a:lumOff val="35000"/>
+                  </a:schemeClr>
+                </a:solidFill>
+                <a:latin typeface="+mn-lt"/>
+                <a:ea typeface="+mn-ea"/>
+                <a:cs typeface="+mn-cs"/>
+              </a:defRPr>
+            </a:lvl8pPr>
+            <a:lvl9pPr marL="3087688" indent="-344488" algn="l" defTabSz="914400" rtl="0" eaLnBrk="1" latinLnBrk="0" hangingPunct="1">
+              <a:spcBef>
+                <a:spcPct val="20000"/>
+              </a:spcBef>
+              <a:buClr>
+                <a:schemeClr val="accent1"/>
+              </a:buClr>
+              <a:buSzPct val="90000"/>
+              <a:buFont typeface="Wingdings" pitchFamily="2" charset="2"/>
+              <a:buChar char=""/>
+              <a:defRPr lang="en-US" sz="1800" kern="1200" dirty="0">
+                <a:solidFill>
+                  <a:schemeClr val="tx1">
+                    <a:lumMod val="65000"/>
+                    <a:lumOff val="35000"/>
+                  </a:schemeClr>
+                </a:solidFill>
+                <a:latin typeface="+mn-lt"/>
+                <a:ea typeface="+mn-ea"/>
+                <a:cs typeface="+mn-cs"/>
+              </a:defRPr>
+            </a:lvl9pPr>
+          </a:lstStyle>
+          <a:p>
+            <a:r>
+              <a:rPr lang="fr-FR" dirty="0" err="1" smtClean="0"/>
+              <a:t>Maps</a:t>
+            </a:r>
+            <a:r>
+              <a:rPr lang="fr-FR" dirty="0" smtClean="0"/>
+              <a:t>/</a:t>
+            </a:r>
+            <a:r>
+              <a:rPr lang="fr-FR" dirty="0" err="1" smtClean="0"/>
+              <a:t>Calendar</a:t>
+            </a:r>
+            <a:r>
+              <a:rPr lang="fr-FR" dirty="0" smtClean="0"/>
+              <a:t>/</a:t>
+            </a:r>
+            <a:r>
+              <a:rPr lang="fr-FR" dirty="0" err="1" smtClean="0"/>
+              <a:t>Forms</a:t>
+            </a:r>
+            <a:endParaRPr lang="fr-FR" dirty="0" smtClean="0"/>
+          </a:p>
+          <a:p>
+            <a:r>
+              <a:rPr lang="fr-FR" dirty="0" smtClean="0"/>
+              <a:t>Group memo </a:t>
+            </a:r>
+            <a:r>
+              <a:rPr lang="fr-FR" dirty="0" err="1" smtClean="0"/>
+              <a:t>editable</a:t>
+            </a:r>
+            <a:r>
+              <a:rPr lang="fr-FR" dirty="0" smtClean="0"/>
+              <a:t> </a:t>
+            </a:r>
+            <a:r>
+              <a:rPr lang="fr-FR" dirty="0" err="1" smtClean="0"/>
+              <a:t>at</a:t>
+            </a:r>
+            <a:r>
+              <a:rPr lang="fr-FR" dirty="0" smtClean="0"/>
+              <a:t> the </a:t>
+            </a:r>
+            <a:r>
+              <a:rPr lang="fr-FR" dirty="0" err="1" smtClean="0"/>
+              <a:t>same</a:t>
+            </a:r>
+            <a:r>
+              <a:rPr lang="fr-FR" dirty="0" smtClean="0"/>
+              <a:t> time</a:t>
+            </a:r>
+          </a:p>
+          <a:p>
+            <a:r>
+              <a:rPr lang="fr-FR" dirty="0" err="1" smtClean="0"/>
+              <a:t>Summary</a:t>
+            </a:r>
+            <a:r>
+              <a:rPr lang="fr-FR" dirty="0" smtClean="0"/>
+              <a:t> of Conversation</a:t>
+            </a:r>
+            <a:endParaRPr lang="fr-FR" dirty="0" smtClean="0"/>
+          </a:p>
+        </p:txBody>
+      </p:sp>
+      <p:sp>
+        <p:nvSpPr>
+          <p:cNvPr id="35" name="Rectangle 34"/>
+          <p:cNvSpPr/>
+          <p:nvPr/>
+        </p:nvSpPr>
+        <p:spPr>
+          <a:xfrm>
+            <a:off x="4497057" y="4277820"/>
+            <a:ext cx="3366263" cy="523220"/>
+          </a:xfrm>
+          <a:prstGeom prst="rect">
+            <a:avLst/>
+          </a:prstGeom>
+        </p:spPr>
+        <p:txBody>
+          <a:bodyPr wrap="square">
+            <a:spAutoFit/>
+          </a:bodyPr>
+          <a:lstStyle/>
+          <a:p>
+            <a:r>
+              <a:rPr lang="fr-FR" sz="2800" dirty="0" err="1"/>
+              <a:t>Conference</a:t>
+            </a:r>
+            <a:r>
+              <a:rPr lang="fr-FR" sz="2800" dirty="0"/>
+              <a:t> </a:t>
+            </a:r>
+            <a:r>
+              <a:rPr lang="fr-FR" sz="2800" dirty="0" err="1"/>
+              <a:t>features</a:t>
+            </a:r>
+            <a:r>
+              <a:rPr lang="fr-FR" sz="2800" dirty="0"/>
+              <a:t> :          </a:t>
+            </a:r>
           </a:p>
         </p:txBody>
       </p:sp>
